--- a/中越詩歌/願您平安_Nguyện bạn bình an.pptx
+++ b/中越詩歌/願您平安_Nguyện bạn bình an.pptx
@@ -108,6 +108,11 @@
       </a:defRPr>
     </a:lvl9pPr>
   </p:defaultTextStyle>
+  <p:extLst>
+    <p:ext uri="{EFAFB233-063F-42B5-8137-9DF3F51BA10A}">
+      <p15:sldGuideLst xmlns:p15="http://schemas.microsoft.com/office/powerpoint/2012/main"/>
+    </p:ext>
+  </p:extLst>
 </p:presentation>
 </file>
 
@@ -292,7 +297,7 @@
           <a:p>
             <a:fld id="{72F8A231-D05D-4989-927D-7E6208A784D1}" type="datetimeFigureOut">
               <a:rPr lang="vi-VN" smtClean="0"/>
-              <a:t>11/02/2022</a:t>
+              <a:t>05/10/2022</a:t>
             </a:fld>
             <a:endParaRPr lang="vi-VN"/>
           </a:p>
@@ -462,7 +467,7 @@
           <a:p>
             <a:fld id="{72F8A231-D05D-4989-927D-7E6208A784D1}" type="datetimeFigureOut">
               <a:rPr lang="vi-VN" smtClean="0"/>
-              <a:t>11/02/2022</a:t>
+              <a:t>05/10/2022</a:t>
             </a:fld>
             <a:endParaRPr lang="vi-VN"/>
           </a:p>
@@ -642,7 +647,7 @@
           <a:p>
             <a:fld id="{72F8A231-D05D-4989-927D-7E6208A784D1}" type="datetimeFigureOut">
               <a:rPr lang="vi-VN" smtClean="0"/>
-              <a:t>11/02/2022</a:t>
+              <a:t>05/10/2022</a:t>
             </a:fld>
             <a:endParaRPr lang="vi-VN"/>
           </a:p>
@@ -812,7 +817,7 @@
           <a:p>
             <a:fld id="{72F8A231-D05D-4989-927D-7E6208A784D1}" type="datetimeFigureOut">
               <a:rPr lang="vi-VN" smtClean="0"/>
-              <a:t>11/02/2022</a:t>
+              <a:t>05/10/2022</a:t>
             </a:fld>
             <a:endParaRPr lang="vi-VN"/>
           </a:p>
@@ -1058,7 +1063,7 @@
           <a:p>
             <a:fld id="{72F8A231-D05D-4989-927D-7E6208A784D1}" type="datetimeFigureOut">
               <a:rPr lang="vi-VN" smtClean="0"/>
-              <a:t>11/02/2022</a:t>
+              <a:t>05/10/2022</a:t>
             </a:fld>
             <a:endParaRPr lang="vi-VN"/>
           </a:p>
@@ -1346,7 +1351,7 @@
           <a:p>
             <a:fld id="{72F8A231-D05D-4989-927D-7E6208A784D1}" type="datetimeFigureOut">
               <a:rPr lang="vi-VN" smtClean="0"/>
-              <a:t>11/02/2022</a:t>
+              <a:t>05/10/2022</a:t>
             </a:fld>
             <a:endParaRPr lang="vi-VN"/>
           </a:p>
@@ -1768,7 +1773,7 @@
           <a:p>
             <a:fld id="{72F8A231-D05D-4989-927D-7E6208A784D1}" type="datetimeFigureOut">
               <a:rPr lang="vi-VN" smtClean="0"/>
-              <a:t>11/02/2022</a:t>
+              <a:t>05/10/2022</a:t>
             </a:fld>
             <a:endParaRPr lang="vi-VN"/>
           </a:p>
@@ -1886,7 +1891,7 @@
           <a:p>
             <a:fld id="{72F8A231-D05D-4989-927D-7E6208A784D1}" type="datetimeFigureOut">
               <a:rPr lang="vi-VN" smtClean="0"/>
-              <a:t>11/02/2022</a:t>
+              <a:t>05/10/2022</a:t>
             </a:fld>
             <a:endParaRPr lang="vi-VN"/>
           </a:p>
@@ -1981,7 +1986,7 @@
           <a:p>
             <a:fld id="{72F8A231-D05D-4989-927D-7E6208A784D1}" type="datetimeFigureOut">
               <a:rPr lang="vi-VN" smtClean="0"/>
-              <a:t>11/02/2022</a:t>
+              <a:t>05/10/2022</a:t>
             </a:fld>
             <a:endParaRPr lang="vi-VN"/>
           </a:p>
@@ -2258,7 +2263,7 @@
           <a:p>
             <a:fld id="{72F8A231-D05D-4989-927D-7E6208A784D1}" type="datetimeFigureOut">
               <a:rPr lang="vi-VN" smtClean="0"/>
-              <a:t>11/02/2022</a:t>
+              <a:t>05/10/2022</a:t>
             </a:fld>
             <a:endParaRPr lang="vi-VN"/>
           </a:p>
@@ -2515,7 +2520,7 @@
           <a:p>
             <a:fld id="{72F8A231-D05D-4989-927D-7E6208A784D1}" type="datetimeFigureOut">
               <a:rPr lang="vi-VN" smtClean="0"/>
-              <a:t>11/02/2022</a:t>
+              <a:t>05/10/2022</a:t>
             </a:fld>
             <a:endParaRPr lang="vi-VN"/>
           </a:p>
@@ -2733,7 +2738,7 @@
           <a:p>
             <a:fld id="{72F8A231-D05D-4989-927D-7E6208A784D1}" type="datetimeFigureOut">
               <a:rPr lang="vi-VN" smtClean="0"/>
-              <a:t>11/02/2022</a:t>
+              <a:t>05/10/2022</a:t>
             </a:fld>
             <a:endParaRPr lang="vi-VN"/>
           </a:p>
@@ -3618,35 +3623,165 @@
               <a:buNone/>
             </a:pPr>
             <a:r>
+              <a:rPr lang="en-US" sz="3600" b="1" dirty="0" err="1" smtClean="0">
+                <a:solidFill>
+                  <a:srgbClr val="660033"/>
+                </a:solidFill>
+                <a:latin typeface="Calibri" panose="020F0502020204030204" pitchFamily="34" charset="0"/>
+                <a:ea typeface="微軟正黑體" pitchFamily="34" charset="-120"/>
+                <a:cs typeface="Calibri" panose="020F0502020204030204" pitchFamily="34" charset="0"/>
+              </a:rPr>
+              <a:t>Nguyện</a:t>
+            </a:r>
+            <a:r>
               <a:rPr lang="en-US" sz="3600" b="1" dirty="0" smtClean="0">
                 <a:solidFill>
                   <a:srgbClr val="660033"/>
                 </a:solidFill>
+                <a:latin typeface="Calibri" panose="020F0502020204030204" pitchFamily="34" charset="0"/>
+                <a:ea typeface="微軟正黑體" pitchFamily="34" charset="-120"/>
+                <a:cs typeface="Calibri" panose="020F0502020204030204" pitchFamily="34" charset="0"/>
+              </a:rPr>
+              <a:t> </a:t>
+            </a:r>
+            <a:r>
+              <a:rPr lang="en-US" sz="3600" b="1" dirty="0">
+                <a:solidFill>
+                  <a:srgbClr val="660033"/>
+                </a:solidFill>
+                <a:latin typeface="Calibri" panose="020F0502020204030204" pitchFamily="34" charset="0"/>
+                <a:ea typeface="微軟正黑體" pitchFamily="34" charset="-120"/>
+                <a:cs typeface="Calibri" panose="020F0502020204030204" pitchFamily="34" charset="0"/>
+              </a:rPr>
+              <a:t>Xin </a:t>
+            </a:r>
+            <a:r>
+              <a:rPr lang="en-US" sz="3600" b="1" dirty="0" err="1">
+                <a:solidFill>
+                  <a:srgbClr val="660033"/>
+                </a:solidFill>
+                <a:latin typeface="Calibri" panose="020F0502020204030204" pitchFamily="34" charset="0"/>
+                <a:ea typeface="微軟正黑體" pitchFamily="34" charset="-120"/>
+                <a:cs typeface="Calibri" panose="020F0502020204030204" pitchFamily="34" charset="0"/>
+              </a:rPr>
+              <a:t>Chúa</a:t>
+            </a:r>
+            <a:r>
+              <a:rPr lang="en-US" sz="3600" b="1" dirty="0">
+                <a:solidFill>
+                  <a:srgbClr val="660033"/>
+                </a:solidFill>
+                <a:latin typeface="Calibri" panose="020F0502020204030204" pitchFamily="34" charset="0"/>
+                <a:ea typeface="微軟正黑體" pitchFamily="34" charset="-120"/>
+                <a:cs typeface="Calibri" panose="020F0502020204030204" pitchFamily="34" charset="0"/>
+              </a:rPr>
+              <a:t> </a:t>
+            </a:r>
+            <a:r>
+              <a:rPr lang="en-US" sz="3600" b="1" dirty="0" err="1">
+                <a:solidFill>
+                  <a:srgbClr val="660033"/>
+                </a:solidFill>
+                <a:latin typeface="Calibri" panose="020F0502020204030204" pitchFamily="34" charset="0"/>
+                <a:ea typeface="微軟正黑體" pitchFamily="34" charset="-120"/>
+                <a:cs typeface="Calibri" panose="020F0502020204030204" pitchFamily="34" charset="0"/>
+              </a:rPr>
+              <a:t>luôn</a:t>
+            </a:r>
+            <a:r>
+              <a:rPr lang="en-US" sz="3600" b="1" dirty="0">
+                <a:solidFill>
+                  <a:srgbClr val="660033"/>
+                </a:solidFill>
+                <a:latin typeface="Calibri" panose="020F0502020204030204" pitchFamily="34" charset="0"/>
+                <a:ea typeface="微軟正黑體" pitchFamily="34" charset="-120"/>
+                <a:cs typeface="Calibri" panose="020F0502020204030204" pitchFamily="34" charset="0"/>
+              </a:rPr>
+              <a:t> </a:t>
+            </a:r>
+            <a:r>
+              <a:rPr lang="en-US" sz="3600" b="1" dirty="0" err="1">
+                <a:solidFill>
+                  <a:srgbClr val="660033"/>
+                </a:solidFill>
+                <a:latin typeface="Calibri" panose="020F0502020204030204" pitchFamily="34" charset="0"/>
+                <a:ea typeface="微軟正黑體" pitchFamily="34" charset="-120"/>
+                <a:cs typeface="Calibri" panose="020F0502020204030204" pitchFamily="34" charset="0"/>
+              </a:rPr>
+              <a:t>chăm</a:t>
+            </a:r>
+            <a:r>
+              <a:rPr lang="en-US" sz="3600" b="1" dirty="0">
+                <a:solidFill>
+                  <a:srgbClr val="660033"/>
+                </a:solidFill>
+                <a:latin typeface="Calibri" panose="020F0502020204030204" pitchFamily="34" charset="0"/>
+                <a:ea typeface="微軟正黑體" pitchFamily="34" charset="-120"/>
+                <a:cs typeface="Calibri" panose="020F0502020204030204" pitchFamily="34" charset="0"/>
+              </a:rPr>
+              <a:t> nom</a:t>
+            </a:r>
+            <a:r>
+              <a:rPr lang="en-US" sz="3600" b="1" dirty="0" smtClean="0">
+                <a:solidFill>
+                  <a:srgbClr val="660033"/>
+                </a:solidFill>
                 <a:effectLst/>
                 <a:latin typeface="Calibri" panose="020F0502020204030204" pitchFamily="34" charset="0"/>
                 <a:ea typeface="微軟正黑體" pitchFamily="34" charset="-120"/>
                 <a:cs typeface="Calibri" panose="020F0502020204030204" pitchFamily="34" charset="0"/>
               </a:rPr>
-              <a:t>Xin </a:t>
+              <a:t>, </a:t>
             </a:r>
             <a:r>
               <a:rPr lang="en-US" sz="3600" b="1" dirty="0" err="1">
                 <a:solidFill>
                   <a:srgbClr val="660033"/>
                 </a:solidFill>
-                <a:effectLst/>
-                <a:latin typeface="Calibri" panose="020F0502020204030204" pitchFamily="34" charset="0"/>
-                <a:ea typeface="微軟正黑體" pitchFamily="34" charset="-120"/>
-                <a:cs typeface="Calibri" panose="020F0502020204030204" pitchFamily="34" charset="0"/>
-              </a:rPr>
-              <a:t>Chúa</a:t>
+                <a:latin typeface="Calibri" panose="020F0502020204030204" pitchFamily="34" charset="0"/>
+                <a:ea typeface="微軟正黑體" pitchFamily="34" charset="-120"/>
+                <a:cs typeface="Calibri" panose="020F0502020204030204" pitchFamily="34" charset="0"/>
+              </a:rPr>
+              <a:t>n</a:t>
+            </a:r>
+            <a:r>
+              <a:rPr lang="en-US" sz="3600" b="1" dirty="0" err="1" smtClean="0">
+                <a:solidFill>
+                  <a:srgbClr val="660033"/>
+                </a:solidFill>
+                <a:latin typeface="Calibri" panose="020F0502020204030204" pitchFamily="34" charset="0"/>
+                <a:ea typeface="微軟正黑體" pitchFamily="34" charset="-120"/>
+                <a:cs typeface="Calibri" panose="020F0502020204030204" pitchFamily="34" charset="0"/>
+              </a:rPr>
+              <a:t>guyện</a:t>
+            </a:r>
+            <a:r>
+              <a:rPr lang="en-US" sz="3600" b="1" dirty="0" smtClean="0">
+                <a:solidFill>
+                  <a:srgbClr val="660033"/>
+                </a:solidFill>
+                <a:latin typeface="Calibri" panose="020F0502020204030204" pitchFamily="34" charset="0"/>
+                <a:ea typeface="微軟正黑體" pitchFamily="34" charset="-120"/>
+                <a:cs typeface="Calibri" panose="020F0502020204030204" pitchFamily="34" charset="0"/>
+              </a:rPr>
+              <a:t> </a:t>
+            </a:r>
+            <a:r>
+              <a:rPr lang="en-US" sz="3600" b="1" dirty="0" err="1">
+                <a:solidFill>
+                  <a:srgbClr val="660033"/>
+                </a:solidFill>
+                <a:latin typeface="Calibri" panose="020F0502020204030204" pitchFamily="34" charset="0"/>
+                <a:ea typeface="微軟正黑體" pitchFamily="34" charset="-120"/>
+                <a:cs typeface="Calibri" panose="020F0502020204030204" pitchFamily="34" charset="0"/>
+              </a:rPr>
+              <a:t>Ngài</a:t>
             </a:r>
             <a:r>
               <a:rPr lang="en-US" sz="3600" b="1" dirty="0">
                 <a:solidFill>
                   <a:srgbClr val="660033"/>
                 </a:solidFill>
-                <a:effectLst/>
                 <a:latin typeface="Calibri" panose="020F0502020204030204" pitchFamily="34" charset="0"/>
                 <a:ea typeface="微軟正黑體" pitchFamily="34" charset="-120"/>
                 <a:cs typeface="Calibri" panose="020F0502020204030204" pitchFamily="34" charset="0"/>
@@ -3658,150 +3793,38 @@
                 <a:solidFill>
                   <a:srgbClr val="660033"/>
                 </a:solidFill>
-                <a:effectLst/>
-                <a:latin typeface="Calibri" panose="020F0502020204030204" pitchFamily="34" charset="0"/>
-                <a:ea typeface="微軟正黑體" pitchFamily="34" charset="-120"/>
-                <a:cs typeface="Calibri" panose="020F0502020204030204" pitchFamily="34" charset="0"/>
-              </a:rPr>
-              <a:t>chăm</a:t>
+                <a:latin typeface="Calibri" panose="020F0502020204030204" pitchFamily="34" charset="0"/>
+                <a:ea typeface="微軟正黑體" pitchFamily="34" charset="-120"/>
+                <a:cs typeface="Calibri" panose="020F0502020204030204" pitchFamily="34" charset="0"/>
+              </a:rPr>
+              <a:t>mãi</a:t>
             </a:r>
             <a:r>
               <a:rPr lang="en-US" sz="3600" b="1" dirty="0">
                 <a:solidFill>
                   <a:srgbClr val="660033"/>
                 </a:solidFill>
-                <a:effectLst/>
-                <a:latin typeface="Calibri" panose="020F0502020204030204" pitchFamily="34" charset="0"/>
-                <a:ea typeface="微軟正黑體" pitchFamily="34" charset="-120"/>
-                <a:cs typeface="Calibri" panose="020F0502020204030204" pitchFamily="34" charset="0"/>
-              </a:rPr>
-              <a:t> nom </a:t>
-            </a:r>
-            <a:r>
-              <a:rPr lang="en-US" sz="3600" b="1" dirty="0">
-                <a:solidFill>
-                  <a:srgbClr val="660033"/>
-                </a:solidFill>
-                <a:effectLst/>
-                <a:latin typeface="Calibri" panose="020F0502020204030204" pitchFamily="34" charset="0"/>
-                <a:ea typeface="微軟正黑體" pitchFamily="34" charset="-120"/>
-                <a:cs typeface="Calibri" panose="020F0502020204030204" pitchFamily="34" charset="0"/>
-              </a:rPr>
-              <a:t>ban, </a:t>
-            </a:r>
-            <a:r>
-              <a:rPr lang="en-US" sz="3600" b="1" dirty="0" err="1" smtClean="0">
-                <a:solidFill>
-                  <a:srgbClr val="660033"/>
-                </a:solidFill>
-                <a:effectLst/>
-                <a:latin typeface="Calibri" panose="020F0502020204030204" pitchFamily="34" charset="0"/>
-                <a:ea typeface="微軟正黑體" pitchFamily="34" charset="-120"/>
-                <a:cs typeface="Calibri" panose="020F0502020204030204" pitchFamily="34" charset="0"/>
-              </a:rPr>
-              <a:t>nguyện</a:t>
-            </a:r>
-            <a:r>
-              <a:rPr lang="en-US" sz="3600" b="1" dirty="0" smtClean="0">
-                <a:solidFill>
-                  <a:srgbClr val="660033"/>
-                </a:solidFill>
-                <a:effectLst/>
-                <a:latin typeface="Calibri" panose="020F0502020204030204" pitchFamily="34" charset="0"/>
-                <a:ea typeface="微軟正黑體" pitchFamily="34" charset="-120"/>
-                <a:cs typeface="Calibri" panose="020F0502020204030204" pitchFamily="34" charset="0"/>
-              </a:rPr>
-              <a:t> </a:t>
+                <a:latin typeface="Calibri" panose="020F0502020204030204" pitchFamily="34" charset="0"/>
+                <a:ea typeface="微軟正黑體" pitchFamily="34" charset="-120"/>
+                <a:cs typeface="Calibri" panose="020F0502020204030204" pitchFamily="34" charset="0"/>
+              </a:rPr>
+              <a:t> ban an </a:t>
             </a:r>
             <a:r>
               <a:rPr lang="en-US" sz="3600" b="1" dirty="0" err="1">
                 <a:solidFill>
                   <a:srgbClr val="660033"/>
                 </a:solidFill>
-                <a:effectLst/>
-                <a:latin typeface="Calibri" panose="020F0502020204030204" pitchFamily="34" charset="0"/>
-                <a:ea typeface="微軟正黑體" pitchFamily="34" charset="-120"/>
-                <a:cs typeface="Calibri" panose="020F0502020204030204" pitchFamily="34" charset="0"/>
-              </a:rPr>
-              <a:t>bình</a:t>
-            </a:r>
-            <a:r>
-              <a:rPr lang="en-US" sz="3600" b="1" dirty="0">
-                <a:solidFill>
-                  <a:srgbClr val="660033"/>
-                </a:solidFill>
-                <a:effectLst/>
-                <a:latin typeface="Calibri" panose="020F0502020204030204" pitchFamily="34" charset="0"/>
-                <a:ea typeface="微軟正黑體" pitchFamily="34" charset="-120"/>
-                <a:cs typeface="Calibri" panose="020F0502020204030204" pitchFamily="34" charset="0"/>
-              </a:rPr>
-              <a:t> an </a:t>
-            </a:r>
-            <a:r>
-              <a:rPr lang="en-US" sz="3600" b="1" dirty="0" err="1" smtClean="0">
-                <a:solidFill>
-                  <a:srgbClr val="660033"/>
-                </a:solidFill>
-                <a:effectLst/>
-                <a:latin typeface="Calibri" panose="020F0502020204030204" pitchFamily="34" charset="0"/>
-                <a:ea typeface="微軟正黑體" pitchFamily="34" charset="-120"/>
-                <a:cs typeface="Calibri" panose="020F0502020204030204" pitchFamily="34" charset="0"/>
-              </a:rPr>
-              <a:t>luôn</a:t>
-            </a:r>
-            <a:r>
-              <a:rPr lang="en-US" sz="3600" b="1" dirty="0" smtClean="0">
-                <a:solidFill>
-                  <a:srgbClr val="660033"/>
-                </a:solidFill>
-                <a:effectLst/>
-                <a:latin typeface="Calibri" panose="020F0502020204030204" pitchFamily="34" charset="0"/>
-                <a:ea typeface="微軟正黑體" pitchFamily="34" charset="-120"/>
-                <a:cs typeface="Calibri" panose="020F0502020204030204" pitchFamily="34" charset="0"/>
-              </a:rPr>
-              <a:t> </a:t>
-            </a:r>
-            <a:r>
-              <a:rPr lang="en-US" sz="3600" b="1" dirty="0" err="1" smtClean="0">
-                <a:solidFill>
-                  <a:srgbClr val="660033"/>
-                </a:solidFill>
-                <a:effectLst/>
-                <a:latin typeface="Calibri" panose="020F0502020204030204" pitchFamily="34" charset="0"/>
-                <a:ea typeface="微軟正黑體" pitchFamily="34" charset="-120"/>
-                <a:cs typeface="Calibri" panose="020F0502020204030204" pitchFamily="34" charset="0"/>
-              </a:rPr>
-              <a:t>bên</a:t>
-            </a:r>
-            <a:r>
-              <a:rPr lang="en-US" sz="3600" b="1" dirty="0" smtClean="0">
-                <a:solidFill>
-                  <a:srgbClr val="660033"/>
-                </a:solidFill>
-                <a:effectLst/>
-                <a:latin typeface="Calibri" panose="020F0502020204030204" pitchFamily="34" charset="0"/>
-                <a:ea typeface="微軟正黑體" pitchFamily="34" charset="-120"/>
-                <a:cs typeface="Calibri" panose="020F0502020204030204" pitchFamily="34" charset="0"/>
-              </a:rPr>
-              <a:t> </a:t>
-            </a:r>
-            <a:r>
-              <a:rPr lang="en-US" sz="3600" b="1" dirty="0" err="1">
-                <a:solidFill>
-                  <a:srgbClr val="660033"/>
-                </a:solidFill>
-                <a:effectLst/>
-                <a:latin typeface="Calibri" panose="020F0502020204030204" pitchFamily="34" charset="0"/>
-                <a:ea typeface="微軟正黑體" pitchFamily="34" charset="-120"/>
-                <a:cs typeface="Calibri" panose="020F0502020204030204" pitchFamily="34" charset="0"/>
-              </a:rPr>
-              <a:t>bạn</a:t>
-            </a:r>
-            <a:endParaRPr lang="en-US" sz="3600" b="1" dirty="0">
+                <a:latin typeface="Calibri" panose="020F0502020204030204" pitchFamily="34" charset="0"/>
+                <a:ea typeface="微軟正黑體" pitchFamily="34" charset="-120"/>
+                <a:cs typeface="Calibri" panose="020F0502020204030204" pitchFamily="34" charset="0"/>
+              </a:rPr>
+              <a:t>vui</a:t>
+            </a:r>
+            <a:endParaRPr lang="vi-VN" sz="3600" b="1" dirty="0">
               <a:solidFill>
                 <a:srgbClr val="660033"/>
               </a:solidFill>
-              <a:effectLst/>
               <a:latin typeface="Calibri" panose="020F0502020204030204" pitchFamily="34" charset="0"/>
               <a:ea typeface="微軟正黑體" pitchFamily="34" charset="-120"/>
               <a:cs typeface="Calibri" panose="020F0502020204030204" pitchFamily="34" charset="0"/>
@@ -3873,29 +3896,7 @@
                 <a:latin typeface="微軟正黑體" pitchFamily="34" charset="-120"/>
                 <a:ea typeface="微軟正黑體" pitchFamily="34" charset="-120"/>
               </a:rPr>
-              <a:t>願主保守</a:t>
-            </a:r>
-            <a:r>
-              <a:rPr lang="zh-CN" altLang="en-US" sz="6400" b="1" dirty="0">
-                <a:solidFill>
-                  <a:srgbClr val="000066"/>
-                </a:solidFill>
-                <a:effectLst/>
-                <a:latin typeface="微軟正黑體" pitchFamily="34" charset="-120"/>
-                <a:ea typeface="微軟正黑體" pitchFamily="34" charset="-120"/>
-              </a:rPr>
-              <a:t>您  一</a:t>
-            </a:r>
-            <a:r>
-              <a:rPr lang="zh-CN" altLang="en-US" sz="6400" b="1" dirty="0">
-                <a:solidFill>
-                  <a:srgbClr val="000066"/>
-                </a:solidFill>
-                <a:effectLst/>
-                <a:latin typeface="微軟正黑體" pitchFamily="34" charset="-120"/>
-                <a:ea typeface="微軟正黑體" pitchFamily="34" charset="-120"/>
-              </a:rPr>
-              <a:t>生直到萬代</a:t>
+              <a:t>願主保守您  一生直到萬代</a:t>
             </a:r>
             <a:endParaRPr lang="en-US" altLang="zh-CN" sz="6400" b="1" dirty="0">
               <a:solidFill>
@@ -4071,23 +4072,54 @@
               <a:buNone/>
             </a:pPr>
             <a:r>
-              <a:rPr lang="en-US" sz="4000" b="1" dirty="0">
-                <a:solidFill>
-                  <a:srgbClr val="660033"/>
-                </a:solidFill>
-                <a:effectLst/>
-                <a:latin typeface="Calibri" panose="020F0502020204030204" pitchFamily="34" charset="0"/>
-                <a:ea typeface="微軟正黑體" pitchFamily="34" charset="-120"/>
-                <a:cs typeface="Calibri" panose="020F0502020204030204" pitchFamily="34" charset="0"/>
-              </a:rPr>
-              <a:t>Xin </a:t>
-            </a:r>
-            <a:r>
-              <a:rPr lang="en-US" sz="4000" b="1" dirty="0" err="1">
-                <a:solidFill>
-                  <a:srgbClr val="660033"/>
-                </a:solidFill>
-                <a:effectLst/>
+              <a:rPr lang="en-US" sz="3600" b="1" dirty="0" err="1" smtClean="0">
+                <a:solidFill>
+                  <a:srgbClr val="660033"/>
+                </a:solidFill>
+                <a:latin typeface="Calibri" panose="020F0502020204030204" pitchFamily="34" charset="0"/>
+                <a:ea typeface="微軟正黑體" pitchFamily="34" charset="-120"/>
+                <a:cs typeface="Calibri" panose="020F0502020204030204" pitchFamily="34" charset="0"/>
+              </a:rPr>
+              <a:t>Nguyện</a:t>
+            </a:r>
+            <a:r>
+              <a:rPr lang="en-US" sz="3600" b="1" dirty="0" smtClean="0">
+                <a:solidFill>
+                  <a:srgbClr val="660033"/>
+                </a:solidFill>
+                <a:latin typeface="Calibri" panose="020F0502020204030204" pitchFamily="34" charset="0"/>
+                <a:ea typeface="微軟正黑體" pitchFamily="34" charset="-120"/>
+                <a:cs typeface="Calibri" panose="020F0502020204030204" pitchFamily="34" charset="0"/>
+              </a:rPr>
+              <a:t> </a:t>
+            </a:r>
+            <a:r>
+              <a:rPr lang="en-US" sz="3600" b="1" dirty="0" err="1">
+                <a:solidFill>
+                  <a:srgbClr val="660033"/>
+                </a:solidFill>
+                <a:latin typeface="Calibri" panose="020F0502020204030204" pitchFamily="34" charset="0"/>
+                <a:ea typeface="微軟正黑體" pitchFamily="34" charset="-120"/>
+                <a:cs typeface="Calibri" panose="020F0502020204030204" pitchFamily="34" charset="0"/>
+              </a:rPr>
+              <a:t>xin</a:t>
+            </a:r>
+            <a:r>
+              <a:rPr lang="en-US" sz="3600" b="1" dirty="0">
+                <a:solidFill>
+                  <a:srgbClr val="660033"/>
+                </a:solidFill>
+                <a:latin typeface="Calibri" panose="020F0502020204030204" pitchFamily="34" charset="0"/>
+                <a:ea typeface="微軟正黑體" pitchFamily="34" charset="-120"/>
+                <a:cs typeface="Calibri" panose="020F0502020204030204" pitchFamily="34" charset="0"/>
+              </a:rPr>
+              <a:t> </a:t>
+            </a:r>
+            <a:r>
+              <a:rPr lang="en-US" sz="3600" b="1" dirty="0" err="1">
+                <a:solidFill>
+                  <a:srgbClr val="660033"/>
+                </a:solidFill>
                 <a:latin typeface="Calibri" panose="020F0502020204030204" pitchFamily="34" charset="0"/>
                 <a:ea typeface="微軟正黑體" pitchFamily="34" charset="-120"/>
                 <a:cs typeface="Calibri" panose="020F0502020204030204" pitchFamily="34" charset="0"/>
@@ -4095,11 +4127,10 @@
               <a:t>Chúa</a:t>
             </a:r>
             <a:r>
-              <a:rPr lang="en-US" sz="4000" b="1" dirty="0">
-                <a:solidFill>
-                  <a:srgbClr val="660033"/>
-                </a:solidFill>
-                <a:effectLst/>
+              <a:rPr lang="en-US" sz="3600" b="1" dirty="0">
+                <a:solidFill>
+                  <a:srgbClr val="660033"/>
+                </a:solidFill>
                 <a:latin typeface="Calibri" panose="020F0502020204030204" pitchFamily="34" charset="0"/>
                 <a:ea typeface="微軟正黑體" pitchFamily="34" charset="-120"/>
                 <a:cs typeface="Calibri" panose="020F0502020204030204" pitchFamily="34" charset="0"/>
@@ -4107,23 +4138,21 @@
               <a:t> </a:t>
             </a:r>
             <a:r>
-              <a:rPr lang="en-US" sz="4000" b="1" dirty="0" err="1">
-                <a:solidFill>
-                  <a:srgbClr val="660033"/>
-                </a:solidFill>
-                <a:effectLst/>
-                <a:latin typeface="Calibri" panose="020F0502020204030204" pitchFamily="34" charset="0"/>
-                <a:ea typeface="微軟正黑體" pitchFamily="34" charset="-120"/>
-                <a:cs typeface="Calibri" panose="020F0502020204030204" pitchFamily="34" charset="0"/>
-              </a:rPr>
-              <a:t>bảo</a:t>
-            </a:r>
-            <a:r>
-              <a:rPr lang="en-US" sz="4000" b="1" dirty="0">
-                <a:solidFill>
-                  <a:srgbClr val="660033"/>
-                </a:solidFill>
-                <a:effectLst/>
+              <a:rPr lang="en-US" sz="3600" b="1" dirty="0" err="1">
+                <a:solidFill>
+                  <a:srgbClr val="660033"/>
+                </a:solidFill>
+                <a:latin typeface="Calibri" panose="020F0502020204030204" pitchFamily="34" charset="0"/>
+                <a:ea typeface="微軟正黑體" pitchFamily="34" charset="-120"/>
+                <a:cs typeface="Calibri" panose="020F0502020204030204" pitchFamily="34" charset="0"/>
+              </a:rPr>
+              <a:t>luôn</a:t>
+            </a:r>
+            <a:r>
+              <a:rPr lang="en-US" sz="3600" b="1" dirty="0">
+                <a:solidFill>
+                  <a:srgbClr val="660033"/>
+                </a:solidFill>
                 <a:latin typeface="Calibri" panose="020F0502020204030204" pitchFamily="34" charset="0"/>
                 <a:ea typeface="微軟正黑體" pitchFamily="34" charset="-120"/>
                 <a:cs typeface="Calibri" panose="020F0502020204030204" pitchFamily="34" charset="0"/>
@@ -4131,23 +4160,21 @@
               <a:t> </a:t>
             </a:r>
             <a:r>
-              <a:rPr lang="en-US" sz="4000" b="1" dirty="0" err="1">
-                <a:solidFill>
-                  <a:srgbClr val="660033"/>
-                </a:solidFill>
-                <a:effectLst/>
-                <a:latin typeface="Calibri" panose="020F0502020204030204" pitchFamily="34" charset="0"/>
-                <a:ea typeface="微軟正黑體" pitchFamily="34" charset="-120"/>
-                <a:cs typeface="Calibri" panose="020F0502020204030204" pitchFamily="34" charset="0"/>
-              </a:rPr>
-              <a:t>vệ</a:t>
-            </a:r>
-            <a:r>
-              <a:rPr lang="en-US" sz="4000" b="1" dirty="0">
-                <a:solidFill>
-                  <a:srgbClr val="660033"/>
-                </a:solidFill>
-                <a:effectLst/>
+              <a:rPr lang="en-US" sz="3600" b="1" dirty="0" err="1">
+                <a:solidFill>
+                  <a:srgbClr val="660033"/>
+                </a:solidFill>
+                <a:latin typeface="Calibri" panose="020F0502020204030204" pitchFamily="34" charset="0"/>
+                <a:ea typeface="微軟正黑體" pitchFamily="34" charset="-120"/>
+                <a:cs typeface="Calibri" panose="020F0502020204030204" pitchFamily="34" charset="0"/>
+              </a:rPr>
+              <a:t>bên</a:t>
+            </a:r>
+            <a:r>
+              <a:rPr lang="en-US" sz="3600" b="1" dirty="0">
+                <a:solidFill>
+                  <a:srgbClr val="660033"/>
+                </a:solidFill>
                 <a:latin typeface="Calibri" panose="020F0502020204030204" pitchFamily="34" charset="0"/>
                 <a:ea typeface="微軟正黑體" pitchFamily="34" charset="-120"/>
                 <a:cs typeface="Calibri" panose="020F0502020204030204" pitchFamily="34" charset="0"/>
@@ -4155,23 +4182,54 @@
               <a:t> </a:t>
             </a:r>
             <a:r>
-              <a:rPr lang="en-US" sz="4000" b="1" dirty="0" err="1">
-                <a:solidFill>
-                  <a:srgbClr val="660033"/>
-                </a:solidFill>
-                <a:effectLst/>
-                <a:latin typeface="Calibri" panose="020F0502020204030204" pitchFamily="34" charset="0"/>
-                <a:ea typeface="微軟正黑體" pitchFamily="34" charset="-120"/>
-                <a:cs typeface="Calibri" panose="020F0502020204030204" pitchFamily="34" charset="0"/>
-              </a:rPr>
-              <a:t>bạn</a:t>
-            </a:r>
-            <a:r>
-              <a:rPr lang="en-US" sz="4000" b="1" dirty="0">
-                <a:solidFill>
-                  <a:srgbClr val="660033"/>
-                </a:solidFill>
-                <a:effectLst/>
+              <a:rPr lang="en-US" sz="3600" b="1" dirty="0" err="1" smtClean="0">
+                <a:solidFill>
+                  <a:srgbClr val="660033"/>
+                </a:solidFill>
+                <a:latin typeface="Calibri" panose="020F0502020204030204" pitchFamily="34" charset="0"/>
+                <a:ea typeface="微軟正黑體" pitchFamily="34" charset="-120"/>
+                <a:cs typeface="Calibri" panose="020F0502020204030204" pitchFamily="34" charset="0"/>
+              </a:rPr>
+              <a:t>cạnh</a:t>
+            </a:r>
+            <a:r>
+              <a:rPr lang="en-US" sz="3600" b="1" dirty="0" smtClean="0">
+                <a:solidFill>
+                  <a:srgbClr val="660033"/>
+                </a:solidFill>
+                <a:latin typeface="Calibri" panose="020F0502020204030204" pitchFamily="34" charset="0"/>
+                <a:ea typeface="微軟正黑體" pitchFamily="34" charset="-120"/>
+                <a:cs typeface="Calibri" panose="020F0502020204030204" pitchFamily="34" charset="0"/>
+              </a:rPr>
+              <a:t>, </a:t>
+            </a:r>
+            <a:r>
+              <a:rPr lang="en-US" sz="3600" b="1" dirty="0" err="1">
+                <a:solidFill>
+                  <a:srgbClr val="660033"/>
+                </a:solidFill>
+                <a:latin typeface="Calibri" panose="020F0502020204030204" pitchFamily="34" charset="0"/>
+                <a:ea typeface="微軟正黑體" pitchFamily="34" charset="-120"/>
+                <a:cs typeface="Calibri" panose="020F0502020204030204" pitchFamily="34" charset="0"/>
+              </a:rPr>
+              <a:t>m</a:t>
+            </a:r>
+            <a:r>
+              <a:rPr lang="en-US" sz="3600" b="1" dirty="0" err="1">
+                <a:solidFill>
+                  <a:srgbClr val="660033"/>
+                </a:solidFill>
+                <a:latin typeface="Calibri" panose="020F0502020204030204" pitchFamily="34" charset="0"/>
+                <a:ea typeface="微軟正黑體" pitchFamily="34" charset="-120"/>
+                <a:cs typeface="Calibri" panose="020F0502020204030204" pitchFamily="34" charset="0"/>
+              </a:rPr>
+              <a:t>ãi</a:t>
+            </a:r>
+            <a:r>
+              <a:rPr lang="en-US" sz="3600" b="1" dirty="0">
+                <a:solidFill>
+                  <a:srgbClr val="660033"/>
+                </a:solidFill>
                 <a:latin typeface="Calibri" panose="020F0502020204030204" pitchFamily="34" charset="0"/>
                 <a:ea typeface="微軟正黑體" pitchFamily="34" charset="-120"/>
                 <a:cs typeface="Calibri" panose="020F0502020204030204" pitchFamily="34" charset="0"/>
@@ -4179,35 +4237,21 @@
               <a:t> </a:t>
             </a:r>
             <a:r>
-              <a:rPr lang="en-US" sz="4000" b="1" dirty="0" err="1">
-                <a:solidFill>
-                  <a:srgbClr val="660033"/>
-                </a:solidFill>
-                <a:effectLst/>
-                <a:latin typeface="Calibri" panose="020F0502020204030204" pitchFamily="34" charset="0"/>
-                <a:ea typeface="微軟正黑體" pitchFamily="34" charset="-120"/>
-                <a:cs typeface="Calibri" panose="020F0502020204030204" pitchFamily="34" charset="0"/>
-              </a:rPr>
-              <a:t>l</a:t>
-            </a:r>
-            <a:r>
-              <a:rPr lang="en-US" sz="4000" b="1" dirty="0" err="1">
-                <a:solidFill>
-                  <a:srgbClr val="660033"/>
-                </a:solidFill>
-                <a:effectLst/>
-                <a:latin typeface="Calibri" panose="020F0502020204030204" pitchFamily="34" charset="0"/>
-                <a:ea typeface="微軟正黑體" pitchFamily="34" charset="-120"/>
-                <a:cs typeface="Calibri" panose="020F0502020204030204" pitchFamily="34" charset="0"/>
-              </a:rPr>
-              <a:t>uôn</a:t>
-            </a:r>
-            <a:r>
-              <a:rPr lang="en-US" sz="4000" b="1" dirty="0">
-                <a:solidFill>
-                  <a:srgbClr val="660033"/>
-                </a:solidFill>
-                <a:effectLst/>
+              <a:rPr lang="en-US" sz="3600" b="1" dirty="0" err="1">
+                <a:solidFill>
+                  <a:srgbClr val="660033"/>
+                </a:solidFill>
+                <a:latin typeface="Calibri" panose="020F0502020204030204" pitchFamily="34" charset="0"/>
+                <a:ea typeface="微軟正黑體" pitchFamily="34" charset="-120"/>
+                <a:cs typeface="Calibri" panose="020F0502020204030204" pitchFamily="34" charset="0"/>
+              </a:rPr>
+              <a:t>mãi</a:t>
+            </a:r>
+            <a:r>
+              <a:rPr lang="en-US" sz="3600" b="1" dirty="0">
+                <a:solidFill>
+                  <a:srgbClr val="660033"/>
+                </a:solidFill>
                 <a:latin typeface="Calibri" panose="020F0502020204030204" pitchFamily="34" charset="0"/>
                 <a:ea typeface="微軟正黑體" pitchFamily="34" charset="-120"/>
                 <a:cs typeface="Calibri" panose="020F0502020204030204" pitchFamily="34" charset="0"/>
@@ -4215,23 +4259,21 @@
               <a:t> </a:t>
             </a:r>
             <a:r>
-              <a:rPr lang="en-US" sz="4000" b="1" dirty="0" err="1">
-                <a:solidFill>
-                  <a:srgbClr val="660033"/>
-                </a:solidFill>
-                <a:effectLst/>
-                <a:latin typeface="Calibri" panose="020F0502020204030204" pitchFamily="34" charset="0"/>
-                <a:ea typeface="微軟正黑體" pitchFamily="34" charset="-120"/>
-                <a:cs typeface="Calibri" panose="020F0502020204030204" pitchFamily="34" charset="0"/>
-              </a:rPr>
-              <a:t>luôn</a:t>
-            </a:r>
-            <a:r>
-              <a:rPr lang="en-US" sz="4000" b="1" dirty="0">
-                <a:solidFill>
-                  <a:srgbClr val="660033"/>
-                </a:solidFill>
-                <a:effectLst/>
+              <a:rPr lang="en-US" sz="3600" b="1" dirty="0" err="1">
+                <a:solidFill>
+                  <a:srgbClr val="660033"/>
+                </a:solidFill>
+                <a:latin typeface="Calibri" panose="020F0502020204030204" pitchFamily="34" charset="0"/>
+                <a:ea typeface="微軟正黑體" pitchFamily="34" charset="-120"/>
+                <a:cs typeface="Calibri" panose="020F0502020204030204" pitchFamily="34" charset="0"/>
+              </a:rPr>
+              <a:t>không</a:t>
+            </a:r>
+            <a:r>
+              <a:rPr lang="en-US" sz="3600" b="1" dirty="0">
+                <a:solidFill>
+                  <a:srgbClr val="660033"/>
+                </a:solidFill>
                 <a:latin typeface="Calibri" panose="020F0502020204030204" pitchFamily="34" charset="0"/>
                 <a:ea typeface="微軟正黑體" pitchFamily="34" charset="-120"/>
                 <a:cs typeface="Calibri" panose="020F0502020204030204" pitchFamily="34" charset="0"/>
@@ -4239,23 +4281,21 @@
               <a:t> </a:t>
             </a:r>
             <a:r>
-              <a:rPr lang="en-US" sz="4000" b="1" dirty="0" err="1">
-                <a:solidFill>
-                  <a:srgbClr val="660033"/>
-                </a:solidFill>
-                <a:effectLst/>
-                <a:latin typeface="Calibri" panose="020F0502020204030204" pitchFamily="34" charset="0"/>
-                <a:ea typeface="微軟正黑體" pitchFamily="34" charset="-120"/>
-                <a:cs typeface="Calibri" panose="020F0502020204030204" pitchFamily="34" charset="0"/>
-              </a:rPr>
-              <a:t>và</a:t>
-            </a:r>
-            <a:r>
-              <a:rPr lang="en-US" sz="4000" b="1" dirty="0">
-                <a:solidFill>
-                  <a:srgbClr val="660033"/>
-                </a:solidFill>
-                <a:effectLst/>
+              <a:rPr lang="en-US" sz="3600" b="1" dirty="0" err="1">
+                <a:solidFill>
+                  <a:srgbClr val="660033"/>
+                </a:solidFill>
+                <a:latin typeface="Calibri" panose="020F0502020204030204" pitchFamily="34" charset="0"/>
+                <a:ea typeface="微軟正黑體" pitchFamily="34" charset="-120"/>
+                <a:cs typeface="Calibri" panose="020F0502020204030204" pitchFamily="34" charset="0"/>
+              </a:rPr>
+              <a:t>hề</a:t>
+            </a:r>
+            <a:r>
+              <a:rPr lang="en-US" sz="3600" b="1" dirty="0">
+                <a:solidFill>
+                  <a:srgbClr val="660033"/>
+                </a:solidFill>
                 <a:latin typeface="Calibri" panose="020F0502020204030204" pitchFamily="34" charset="0"/>
                 <a:ea typeface="微軟正黑體" pitchFamily="34" charset="-120"/>
                 <a:cs typeface="Calibri" panose="020F0502020204030204" pitchFamily="34" charset="0"/>
@@ -4263,23 +4303,21 @@
               <a:t> </a:t>
             </a:r>
             <a:r>
-              <a:rPr lang="en-US" sz="4000" b="1" dirty="0" err="1">
-                <a:solidFill>
-                  <a:srgbClr val="660033"/>
-                </a:solidFill>
-                <a:effectLst/>
-                <a:latin typeface="Calibri" panose="020F0502020204030204" pitchFamily="34" charset="0"/>
-                <a:ea typeface="微軟正黑體" pitchFamily="34" charset="-120"/>
-                <a:cs typeface="Calibri" panose="020F0502020204030204" pitchFamily="34" charset="0"/>
-              </a:rPr>
-              <a:t>mãi</a:t>
-            </a:r>
-            <a:r>
-              <a:rPr lang="en-US" sz="4000" b="1" dirty="0">
-                <a:solidFill>
-                  <a:srgbClr val="660033"/>
-                </a:solidFill>
-                <a:effectLst/>
+              <a:rPr lang="en-US" sz="3600" b="1" dirty="0" err="1">
+                <a:solidFill>
+                  <a:srgbClr val="660033"/>
+                </a:solidFill>
+                <a:latin typeface="Calibri" panose="020F0502020204030204" pitchFamily="34" charset="0"/>
+                <a:ea typeface="微軟正黑體" pitchFamily="34" charset="-120"/>
+                <a:cs typeface="Calibri" panose="020F0502020204030204" pitchFamily="34" charset="0"/>
+              </a:rPr>
+              <a:t>xa</a:t>
+            </a:r>
+            <a:r>
+              <a:rPr lang="en-US" sz="3600" b="1" dirty="0">
+                <a:solidFill>
+                  <a:srgbClr val="660033"/>
+                </a:solidFill>
                 <a:latin typeface="Calibri" panose="020F0502020204030204" pitchFamily="34" charset="0"/>
                 <a:ea typeface="微軟正黑體" pitchFamily="34" charset="-120"/>
                 <a:cs typeface="Calibri" panose="020F0502020204030204" pitchFamily="34" charset="0"/>
@@ -4287,22 +4325,20 @@
               <a:t> </a:t>
             </a:r>
             <a:r>
-              <a:rPr lang="en-US" sz="4000" b="1" dirty="0" err="1">
-                <a:solidFill>
-                  <a:srgbClr val="660033"/>
-                </a:solidFill>
-                <a:effectLst/>
-                <a:latin typeface="Calibri" panose="020F0502020204030204" pitchFamily="34" charset="0"/>
-                <a:ea typeface="微軟正黑體" pitchFamily="34" charset="-120"/>
-                <a:cs typeface="Calibri" panose="020F0502020204030204" pitchFamily="34" charset="0"/>
-              </a:rPr>
-              <a:t>mãi</a:t>
-            </a:r>
-            <a:endParaRPr lang="en-US" sz="4000" b="1" dirty="0">
+              <a:rPr lang="en-US" sz="3600" b="1" dirty="0" err="1">
+                <a:solidFill>
+                  <a:srgbClr val="660033"/>
+                </a:solidFill>
+                <a:latin typeface="Calibri" panose="020F0502020204030204" pitchFamily="34" charset="0"/>
+                <a:ea typeface="微軟正黑體" pitchFamily="34" charset="-120"/>
+                <a:cs typeface="Calibri" panose="020F0502020204030204" pitchFamily="34" charset="0"/>
+              </a:rPr>
+              <a:t>lìa</a:t>
+            </a:r>
+            <a:endParaRPr lang="en-US" sz="3600" b="1" dirty="0">
               <a:solidFill>
                 <a:srgbClr val="660033"/>
               </a:solidFill>
-              <a:effectLst/>
               <a:latin typeface="Calibri" panose="020F0502020204030204" pitchFamily="34" charset="0"/>
               <a:ea typeface="微軟正黑體" pitchFamily="34" charset="-120"/>
               <a:cs typeface="Calibri" panose="020F0502020204030204" pitchFamily="34" charset="0"/>
@@ -4550,35 +4586,43 @@
               <a:buNone/>
             </a:pPr>
             <a:r>
+              <a:rPr lang="en-US" sz="4000" b="1" dirty="0" err="1">
+                <a:solidFill>
+                  <a:srgbClr val="660033"/>
+                </a:solidFill>
+                <a:latin typeface="Calibri" panose="020F0502020204030204" pitchFamily="34" charset="0"/>
+                <a:ea typeface="微軟正黑體" pitchFamily="34" charset="-120"/>
+                <a:cs typeface="Calibri" panose="020F0502020204030204" pitchFamily="34" charset="0"/>
+              </a:rPr>
+              <a:t>Nguyện</a:t>
+            </a:r>
+            <a:r>
               <a:rPr lang="en-US" sz="4000" b="1" dirty="0">
                 <a:solidFill>
                   <a:srgbClr val="660033"/>
                 </a:solidFill>
-                <a:effectLst/>
-                <a:latin typeface="Calibri" panose="020F0502020204030204" pitchFamily="34" charset="0"/>
-                <a:ea typeface="微軟正黑體" pitchFamily="34" charset="-120"/>
-                <a:cs typeface="Calibri" panose="020F0502020204030204" pitchFamily="34" charset="0"/>
-              </a:rPr>
-              <a:t>Xin </a:t>
+                <a:latin typeface="Calibri" panose="020F0502020204030204" pitchFamily="34" charset="0"/>
+                <a:ea typeface="微軟正黑體" pitchFamily="34" charset="-120"/>
+                <a:cs typeface="Calibri" panose="020F0502020204030204" pitchFamily="34" charset="0"/>
+              </a:rPr>
+              <a:t> </a:t>
             </a:r>
             <a:r>
               <a:rPr lang="en-US" sz="4000" b="1" dirty="0" err="1">
                 <a:solidFill>
                   <a:srgbClr val="660033"/>
                 </a:solidFill>
-                <a:effectLst/>
-                <a:latin typeface="Calibri" panose="020F0502020204030204" pitchFamily="34" charset="0"/>
-                <a:ea typeface="微軟正黑體" pitchFamily="34" charset="-120"/>
-                <a:cs typeface="Calibri" panose="020F0502020204030204" pitchFamily="34" charset="0"/>
-              </a:rPr>
-              <a:t>phước</a:t>
+                <a:latin typeface="Calibri" panose="020F0502020204030204" pitchFamily="34" charset="0"/>
+                <a:ea typeface="微軟正黑體" pitchFamily="34" charset="-120"/>
+                <a:cs typeface="Calibri" panose="020F0502020204030204" pitchFamily="34" charset="0"/>
+              </a:rPr>
+              <a:t>ơn</a:t>
             </a:r>
             <a:r>
               <a:rPr lang="en-US" sz="4000" b="1" dirty="0">
                 <a:solidFill>
                   <a:srgbClr val="660033"/>
                 </a:solidFill>
-                <a:effectLst/>
                 <a:latin typeface="Calibri" panose="020F0502020204030204" pitchFamily="34" charset="0"/>
                 <a:ea typeface="微軟正黑體" pitchFamily="34" charset="-120"/>
                 <a:cs typeface="Calibri" panose="020F0502020204030204" pitchFamily="34" charset="0"/>
@@ -4590,7 +4634,6 @@
                 <a:solidFill>
                   <a:srgbClr val="660033"/>
                 </a:solidFill>
-                <a:effectLst/>
                 <a:latin typeface="Calibri" panose="020F0502020204030204" pitchFamily="34" charset="0"/>
                 <a:ea typeface="微軟正黑體" pitchFamily="34" charset="-120"/>
                 <a:cs typeface="Calibri" panose="020F0502020204030204" pitchFamily="34" charset="0"/>
@@ -4602,7 +4645,6 @@
                 <a:solidFill>
                   <a:srgbClr val="660033"/>
                 </a:solidFill>
-                <a:effectLst/>
                 <a:latin typeface="Calibri" panose="020F0502020204030204" pitchFamily="34" charset="0"/>
                 <a:ea typeface="微軟正黑體" pitchFamily="34" charset="-120"/>
                 <a:cs typeface="Calibri" panose="020F0502020204030204" pitchFamily="34" charset="0"/>
@@ -4614,7 +4656,116 @@
                 <a:solidFill>
                   <a:srgbClr val="660033"/>
                 </a:solidFill>
-                <a:effectLst/>
+                <a:latin typeface="Calibri" panose="020F0502020204030204" pitchFamily="34" charset="0"/>
+                <a:ea typeface="微軟正黑體" pitchFamily="34" charset="-120"/>
+                <a:cs typeface="Calibri" panose="020F0502020204030204" pitchFamily="34" charset="0"/>
+              </a:rPr>
+              <a:t>luôn</a:t>
+            </a:r>
+            <a:r>
+              <a:rPr lang="en-US" sz="4000" b="1" dirty="0">
+                <a:solidFill>
+                  <a:srgbClr val="660033"/>
+                </a:solidFill>
+                <a:latin typeface="Calibri" panose="020F0502020204030204" pitchFamily="34" charset="0"/>
+                <a:ea typeface="微軟正黑體" pitchFamily="34" charset="-120"/>
+                <a:cs typeface="Calibri" panose="020F0502020204030204" pitchFamily="34" charset="0"/>
+              </a:rPr>
+              <a:t> </a:t>
+            </a:r>
+            <a:r>
+              <a:rPr lang="en-US" sz="4000" b="1" dirty="0" err="1">
+                <a:solidFill>
+                  <a:srgbClr val="660033"/>
+                </a:solidFill>
+                <a:latin typeface="Calibri" panose="020F0502020204030204" pitchFamily="34" charset="0"/>
+                <a:ea typeface="微軟正黑體" pitchFamily="34" charset="-120"/>
+                <a:cs typeface="Calibri" panose="020F0502020204030204" pitchFamily="34" charset="0"/>
+              </a:rPr>
+              <a:t>dư</a:t>
+            </a:r>
+            <a:r>
+              <a:rPr lang="en-US" sz="4000" b="1" dirty="0">
+                <a:solidFill>
+                  <a:srgbClr val="660033"/>
+                </a:solidFill>
+                <a:latin typeface="Calibri" panose="020F0502020204030204" pitchFamily="34" charset="0"/>
+                <a:ea typeface="微軟正黑體" pitchFamily="34" charset="-120"/>
+                <a:cs typeface="Calibri" panose="020F0502020204030204" pitchFamily="34" charset="0"/>
+              </a:rPr>
+              <a:t> </a:t>
+            </a:r>
+            <a:r>
+              <a:rPr lang="en-US" sz="4000" b="1" dirty="0" err="1">
+                <a:solidFill>
+                  <a:srgbClr val="660033"/>
+                </a:solidFill>
+                <a:latin typeface="Calibri" panose="020F0502020204030204" pitchFamily="34" charset="0"/>
+                <a:ea typeface="微軟正黑體" pitchFamily="34" charset="-120"/>
+                <a:cs typeface="Calibri" panose="020F0502020204030204" pitchFamily="34" charset="0"/>
+              </a:rPr>
+              <a:t>dật</a:t>
+            </a:r>
+            <a:r>
+              <a:rPr lang="en-US" sz="4000" b="1" dirty="0">
+                <a:solidFill>
+                  <a:srgbClr val="660033"/>
+                </a:solidFill>
+                <a:latin typeface="Calibri" panose="020F0502020204030204" pitchFamily="34" charset="0"/>
+                <a:ea typeface="微軟正黑體" pitchFamily="34" charset="-120"/>
+                <a:cs typeface="Calibri" panose="020F0502020204030204" pitchFamily="34" charset="0"/>
+              </a:rPr>
+              <a:t>, </a:t>
+            </a:r>
+            <a:r>
+              <a:rPr lang="en-US" sz="4000" b="1" dirty="0" err="1">
+                <a:solidFill>
+                  <a:srgbClr val="660033"/>
+                </a:solidFill>
+                <a:latin typeface="Calibri" panose="020F0502020204030204" pitchFamily="34" charset="0"/>
+                <a:ea typeface="微軟正黑體" pitchFamily="34" charset="-120"/>
+                <a:cs typeface="Calibri" panose="020F0502020204030204" pitchFamily="34" charset="0"/>
+              </a:rPr>
+              <a:t>mãi</a:t>
+            </a:r>
+            <a:r>
+              <a:rPr lang="en-US" sz="4000" b="1" dirty="0">
+                <a:solidFill>
+                  <a:srgbClr val="660033"/>
+                </a:solidFill>
+                <a:latin typeface="Calibri" panose="020F0502020204030204" pitchFamily="34" charset="0"/>
+                <a:ea typeface="微軟正黑體" pitchFamily="34" charset="-120"/>
+                <a:cs typeface="Calibri" panose="020F0502020204030204" pitchFamily="34" charset="0"/>
+              </a:rPr>
+              <a:t> </a:t>
+            </a:r>
+            <a:r>
+              <a:rPr lang="en-US" sz="4000" b="1" dirty="0" err="1">
+                <a:solidFill>
+                  <a:srgbClr val="660033"/>
+                </a:solidFill>
+                <a:latin typeface="Calibri" panose="020F0502020204030204" pitchFamily="34" charset="0"/>
+                <a:ea typeface="微軟正黑體" pitchFamily="34" charset="-120"/>
+                <a:cs typeface="Calibri" panose="020F0502020204030204" pitchFamily="34" charset="0"/>
+              </a:rPr>
+              <a:t>tuôn</a:t>
+            </a:r>
+            <a:r>
+              <a:rPr lang="en-US" sz="4000" b="1" dirty="0">
+                <a:solidFill>
+                  <a:srgbClr val="660033"/>
+                </a:solidFill>
+                <a:latin typeface="Calibri" panose="020F0502020204030204" pitchFamily="34" charset="0"/>
+                <a:ea typeface="微軟正黑體" pitchFamily="34" charset="-120"/>
+                <a:cs typeface="Calibri" panose="020F0502020204030204" pitchFamily="34" charset="0"/>
+              </a:rPr>
+              <a:t> </a:t>
+            </a:r>
+            <a:r>
+              <a:rPr lang="en-US" sz="4000" b="1" dirty="0" err="1">
+                <a:solidFill>
+                  <a:srgbClr val="660033"/>
+                </a:solidFill>
                 <a:latin typeface="Calibri" panose="020F0502020204030204" pitchFamily="34" charset="0"/>
                 <a:ea typeface="微軟正黑體" pitchFamily="34" charset="-120"/>
                 <a:cs typeface="Calibri" panose="020F0502020204030204" pitchFamily="34" charset="0"/>
@@ -4626,7 +4777,6 @@
                 <a:solidFill>
                   <a:srgbClr val="660033"/>
                 </a:solidFill>
-                <a:effectLst/>
                 <a:latin typeface="Calibri" panose="020F0502020204030204" pitchFamily="34" charset="0"/>
                 <a:ea typeface="微軟正黑體" pitchFamily="34" charset="-120"/>
                 <a:cs typeface="Calibri" panose="020F0502020204030204" pitchFamily="34" charset="0"/>
@@ -4638,66 +4788,16 @@
                 <a:solidFill>
                   <a:srgbClr val="660033"/>
                 </a:solidFill>
-                <a:effectLst/>
-                <a:latin typeface="Calibri" panose="020F0502020204030204" pitchFamily="34" charset="0"/>
-                <a:ea typeface="微軟正黑體" pitchFamily="34" charset="-120"/>
-                <a:cs typeface="Calibri" panose="020F0502020204030204" pitchFamily="34" charset="0"/>
-              </a:rPr>
-              <a:t>đầy</a:t>
-            </a:r>
-            <a:r>
-              <a:rPr lang="en-US" sz="4000" b="1" dirty="0">
-                <a:solidFill>
-                  <a:srgbClr val="660033"/>
-                </a:solidFill>
-                <a:effectLst/>
-                <a:latin typeface="Calibri" panose="020F0502020204030204" pitchFamily="34" charset="0"/>
-                <a:ea typeface="微軟正黑體" pitchFamily="34" charset="-120"/>
-                <a:cs typeface="Calibri" panose="020F0502020204030204" pitchFamily="34" charset="0"/>
-              </a:rPr>
-              <a:t> </a:t>
-            </a:r>
-            <a:r>
-              <a:rPr lang="en-US" sz="4000" b="1" dirty="0" err="1">
-                <a:solidFill>
-                  <a:srgbClr val="660033"/>
-                </a:solidFill>
-                <a:effectLst/>
-                <a:latin typeface="Calibri" panose="020F0502020204030204" pitchFamily="34" charset="0"/>
-                <a:ea typeface="微軟正黑體" pitchFamily="34" charset="-120"/>
-                <a:cs typeface="Calibri" panose="020F0502020204030204" pitchFamily="34" charset="0"/>
-              </a:rPr>
-              <a:t>trên</a:t>
-            </a:r>
-            <a:r>
-              <a:rPr lang="en-US" sz="4000" b="1" dirty="0">
-                <a:solidFill>
-                  <a:srgbClr val="660033"/>
-                </a:solidFill>
-                <a:effectLst/>
-                <a:latin typeface="Calibri" panose="020F0502020204030204" pitchFamily="34" charset="0"/>
-                <a:ea typeface="微軟正黑體" pitchFamily="34" charset="-120"/>
-                <a:cs typeface="Calibri" panose="020F0502020204030204" pitchFamily="34" charset="0"/>
-              </a:rPr>
-              <a:t> </a:t>
-            </a:r>
-            <a:r>
-              <a:rPr lang="en-US" sz="4000" b="1" dirty="0" err="1">
-                <a:solidFill>
-                  <a:srgbClr val="660033"/>
-                </a:solidFill>
-                <a:effectLst/>
-                <a:latin typeface="Calibri" panose="020F0502020204030204" pitchFamily="34" charset="0"/>
-                <a:ea typeface="微軟正黑體" pitchFamily="34" charset="-120"/>
-                <a:cs typeface="Calibri" panose="020F0502020204030204" pitchFamily="34" charset="0"/>
-              </a:rPr>
-              <a:t>bạn</a:t>
+                <a:latin typeface="Calibri" panose="020F0502020204030204" pitchFamily="34" charset="0"/>
+                <a:ea typeface="微軟正黑體" pitchFamily="34" charset="-120"/>
+                <a:cs typeface="Calibri" panose="020F0502020204030204" pitchFamily="34" charset="0"/>
+              </a:rPr>
+              <a:t>luôn</a:t>
             </a:r>
             <a:endParaRPr lang="en-US" sz="4000" b="1" dirty="0">
               <a:solidFill>
                 <a:srgbClr val="660033"/>
               </a:solidFill>
-              <a:effectLst/>
               <a:latin typeface="Calibri" panose="020F0502020204030204" pitchFamily="34" charset="0"/>
               <a:ea typeface="微軟正黑體" pitchFamily="34" charset="-120"/>
               <a:cs typeface="Calibri" panose="020F0502020204030204" pitchFamily="34" charset="0"/>
@@ -4949,19 +5049,17 @@
                 <a:solidFill>
                   <a:srgbClr val="660033"/>
                 </a:solidFill>
-                <a:effectLst/>
-                <a:latin typeface="Calibri" panose="020F0502020204030204" pitchFamily="34" charset="0"/>
-                <a:ea typeface="微軟正黑體" pitchFamily="34" charset="-120"/>
-                <a:cs typeface="Calibri" panose="020F0502020204030204" pitchFamily="34" charset="0"/>
-              </a:rPr>
-              <a:t>Chúa</a:t>
+                <a:latin typeface="Calibri" panose="020F0502020204030204" pitchFamily="34" charset="0"/>
+                <a:ea typeface="微軟正黑體" pitchFamily="34" charset="-120"/>
+                <a:cs typeface="Calibri" panose="020F0502020204030204" pitchFamily="34" charset="0"/>
+              </a:rPr>
+              <a:t>Vì</a:t>
             </a:r>
             <a:r>
               <a:rPr lang="en-US" sz="4000" b="1" dirty="0">
                 <a:solidFill>
                   <a:srgbClr val="660033"/>
                 </a:solidFill>
-                <a:effectLst/>
                 <a:latin typeface="Calibri" panose="020F0502020204030204" pitchFamily="34" charset="0"/>
                 <a:ea typeface="微軟正黑體" pitchFamily="34" charset="-120"/>
                 <a:cs typeface="Calibri" panose="020F0502020204030204" pitchFamily="34" charset="0"/>
@@ -4973,43 +5071,39 @@
                 <a:solidFill>
                   <a:srgbClr val="660033"/>
                 </a:solidFill>
-                <a:effectLst/>
-                <a:latin typeface="Calibri" panose="020F0502020204030204" pitchFamily="34" charset="0"/>
-                <a:ea typeface="微軟正黑體" pitchFamily="34" charset="-120"/>
-                <a:cs typeface="Calibri" panose="020F0502020204030204" pitchFamily="34" charset="0"/>
-              </a:rPr>
-              <a:t>chúng</a:t>
+                <a:latin typeface="Calibri" panose="020F0502020204030204" pitchFamily="34" charset="0"/>
+                <a:ea typeface="微軟正黑體" pitchFamily="34" charset="-120"/>
+                <a:cs typeface="Calibri" panose="020F0502020204030204" pitchFamily="34" charset="0"/>
+              </a:rPr>
+              <a:t>Ngài</a:t>
             </a:r>
             <a:r>
               <a:rPr lang="en-US" sz="4000" b="1" dirty="0">
                 <a:solidFill>
                   <a:srgbClr val="660033"/>
                 </a:solidFill>
-                <a:effectLst/>
-                <a:latin typeface="Calibri" panose="020F0502020204030204" pitchFamily="34" charset="0"/>
-                <a:ea typeface="微軟正黑體" pitchFamily="34" charset="-120"/>
-                <a:cs typeface="Calibri" panose="020F0502020204030204" pitchFamily="34" charset="0"/>
-              </a:rPr>
-              <a:t> ta </a:t>
+                <a:latin typeface="Calibri" panose="020F0502020204030204" pitchFamily="34" charset="0"/>
+                <a:ea typeface="微軟正黑體" pitchFamily="34" charset="-120"/>
+                <a:cs typeface="Calibri" panose="020F0502020204030204" pitchFamily="34" charset="0"/>
+              </a:rPr>
+              <a:t> </a:t>
             </a:r>
             <a:r>
               <a:rPr lang="en-US" sz="4000" b="1" dirty="0" err="1">
                 <a:solidFill>
                   <a:srgbClr val="660033"/>
                 </a:solidFill>
-                <a:effectLst/>
-                <a:latin typeface="Calibri" panose="020F0502020204030204" pitchFamily="34" charset="0"/>
-                <a:ea typeface="微軟正黑體" pitchFamily="34" charset="-120"/>
-                <a:cs typeface="Calibri" panose="020F0502020204030204" pitchFamily="34" charset="0"/>
-              </a:rPr>
-              <a:t>rất</a:t>
+                <a:latin typeface="Calibri" panose="020F0502020204030204" pitchFamily="34" charset="0"/>
+                <a:ea typeface="微軟正黑體" pitchFamily="34" charset="-120"/>
+                <a:cs typeface="Calibri" panose="020F0502020204030204" pitchFamily="34" charset="0"/>
+              </a:rPr>
+              <a:t>luôn</a:t>
             </a:r>
             <a:r>
               <a:rPr lang="en-US" sz="4000" b="1" dirty="0">
                 <a:solidFill>
                   <a:srgbClr val="660033"/>
                 </a:solidFill>
-                <a:effectLst/>
                 <a:latin typeface="Calibri" panose="020F0502020204030204" pitchFamily="34" charset="0"/>
                 <a:ea typeface="微軟正黑體" pitchFamily="34" charset="-120"/>
                 <a:cs typeface="Calibri" panose="020F0502020204030204" pitchFamily="34" charset="0"/>
@@ -5021,7 +5115,28 @@
                 <a:solidFill>
                   <a:srgbClr val="660033"/>
                 </a:solidFill>
-                <a:effectLst/>
+                <a:latin typeface="Calibri" panose="020F0502020204030204" pitchFamily="34" charset="0"/>
+                <a:ea typeface="微軟正黑體" pitchFamily="34" charset="-120"/>
+                <a:cs typeface="Calibri" panose="020F0502020204030204" pitchFamily="34" charset="0"/>
+              </a:rPr>
+              <a:t>mến</a:t>
+            </a:r>
+            <a:r>
+              <a:rPr lang="en-US" sz="4000" b="1" dirty="0">
+                <a:solidFill>
+                  <a:srgbClr val="660033"/>
+                </a:solidFill>
+                <a:latin typeface="Calibri" panose="020F0502020204030204" pitchFamily="34" charset="0"/>
+                <a:ea typeface="微軟正黑體" pitchFamily="34" charset="-120"/>
+                <a:cs typeface="Calibri" panose="020F0502020204030204" pitchFamily="34" charset="0"/>
+              </a:rPr>
+              <a:t> </a:t>
+            </a:r>
+            <a:r>
+              <a:rPr lang="en-US" sz="4000" b="1" dirty="0" err="1">
+                <a:solidFill>
+                  <a:srgbClr val="660033"/>
+                </a:solidFill>
                 <a:latin typeface="Calibri" panose="020F0502020204030204" pitchFamily="34" charset="0"/>
                 <a:ea typeface="微軟正黑體" pitchFamily="34" charset="-120"/>
                 <a:cs typeface="Calibri" panose="020F0502020204030204" pitchFamily="34" charset="0"/>
@@ -5033,7 +5148,6 @@
                 <a:solidFill>
                   <a:srgbClr val="660033"/>
                 </a:solidFill>
-                <a:effectLst/>
                 <a:latin typeface="Calibri" panose="020F0502020204030204" pitchFamily="34" charset="0"/>
                 <a:ea typeface="微軟正黑體" pitchFamily="34" charset="-120"/>
                 <a:cs typeface="Calibri" panose="020F0502020204030204" pitchFamily="34" charset="0"/>
@@ -5045,18 +5159,38 @@
                 <a:solidFill>
                   <a:srgbClr val="660033"/>
                 </a:solidFill>
-                <a:effectLst/>
-                <a:latin typeface="Calibri" panose="020F0502020204030204" pitchFamily="34" charset="0"/>
-                <a:ea typeface="微軟正黑體" pitchFamily="34" charset="-120"/>
-                <a:cs typeface="Calibri" panose="020F0502020204030204" pitchFamily="34" charset="0"/>
-              </a:rPr>
-              <a:t>bạn</a:t>
+                <a:latin typeface="Calibri" panose="020F0502020204030204" pitchFamily="34" charset="0"/>
+                <a:ea typeface="微軟正黑體" pitchFamily="34" charset="-120"/>
+                <a:cs typeface="Calibri" panose="020F0502020204030204" pitchFamily="34" charset="0"/>
+              </a:rPr>
+              <a:t>tha</a:t>
+            </a:r>
+            <a:r>
+              <a:rPr lang="en-US" sz="4000" b="1" dirty="0">
+                <a:solidFill>
+                  <a:srgbClr val="660033"/>
+                </a:solidFill>
+                <a:latin typeface="Calibri" panose="020F0502020204030204" pitchFamily="34" charset="0"/>
+                <a:ea typeface="微軟正黑體" pitchFamily="34" charset="-120"/>
+                <a:cs typeface="Calibri" panose="020F0502020204030204" pitchFamily="34" charset="0"/>
+              </a:rPr>
+              <a:t> </a:t>
+            </a:r>
+            <a:r>
+              <a:rPr lang="en-US" sz="4000" b="1" dirty="0" err="1">
+                <a:solidFill>
+                  <a:srgbClr val="660033"/>
+                </a:solidFill>
+                <a:latin typeface="Calibri" panose="020F0502020204030204" pitchFamily="34" charset="0"/>
+                <a:ea typeface="微軟正黑體" pitchFamily="34" charset="-120"/>
+                <a:cs typeface="Calibri" panose="020F0502020204030204" pitchFamily="34" charset="0"/>
+              </a:rPr>
+              <a:t>nhân</a:t>
             </a:r>
             <a:endParaRPr lang="en-US" sz="4000" b="1" dirty="0">
               <a:solidFill>
                 <a:srgbClr val="660033"/>
               </a:solidFill>
-              <a:effectLst/>
               <a:latin typeface="Calibri" panose="020F0502020204030204" pitchFamily="34" charset="0"/>
               <a:ea typeface="微軟正黑體" pitchFamily="34" charset="-120"/>
               <a:cs typeface="Calibri" panose="020F0502020204030204" pitchFamily="34" charset="0"/>
